--- a/report_v2/chap1/chap1_fig/paper_flow.pptx
+++ b/report_v2/chap1/chap1_fig/paper_flow.pptx
@@ -107,6 +107,22 @@
       </a:defRPr>
     </a:lvl9pPr>
   </p:defaultTextStyle>
+  <p:extLst>
+    <p:ext uri="{EFAFB233-063F-42B5-8137-9DF3F51BA10A}">
+      <p15:sldGuideLst xmlns:p15="http://schemas.microsoft.com/office/powerpoint/2012/main">
+        <p15:guide id="1" orient="horz" pos="2495">
+          <p15:clr>
+            <a:srgbClr val="A4A3A4"/>
+          </p15:clr>
+        </p15:guide>
+        <p15:guide id="2" pos="2880">
+          <p15:clr>
+            <a:srgbClr val="A4A3A4"/>
+          </p15:clr>
+        </p15:guide>
+      </p15:sldGuideLst>
+    </p:ext>
+  </p:extLst>
 </p:presentation>
 </file>
 
@@ -192,7 +208,7 @@
           <a:p>
             <a:fld id="{06E72DA0-6FC0-4D27-AA44-DC7242737EEF}" type="datetimeFigureOut">
               <a:rPr kumimoji="1" lang="ja-JP" altLang="en-US" smtClean="0"/>
-              <a:t>2017/1/10</a:t>
+              <a:t>2024/2/6</a:t>
             </a:fld>
             <a:endParaRPr kumimoji="1" lang="ja-JP" altLang="en-US"/>
           </a:p>
@@ -256,70 +272,69 @@
           <a:p>
             <a:pPr lvl="0"/>
             <a:r>
-              <a:rPr kumimoji="1" lang="ja-JP" altLang="en-US" smtClean="0"/>
+              <a:rPr kumimoji="1" lang="ja-JP" altLang="en-US"/>
               <a:t>マスター テキストの書式設定</a:t>
             </a:r>
           </a:p>
           <a:p>
             <a:pPr lvl="1"/>
             <a:r>
-              <a:rPr kumimoji="1" lang="ja-JP" altLang="en-US" smtClean="0"/>
+              <a:rPr kumimoji="1" lang="ja-JP" altLang="en-US"/>
               <a:t>第 </a:t>
             </a:r>
             <a:r>
-              <a:rPr kumimoji="1" lang="en-US" altLang="ja-JP" smtClean="0"/>
+              <a:rPr kumimoji="1" lang="en-US" altLang="ja-JP"/>
               <a:t>2 </a:t>
             </a:r>
             <a:r>
-              <a:rPr kumimoji="1" lang="ja-JP" altLang="en-US" smtClean="0"/>
+              <a:rPr kumimoji="1" lang="ja-JP" altLang="en-US"/>
               <a:t>レベル</a:t>
             </a:r>
           </a:p>
           <a:p>
             <a:pPr lvl="2"/>
             <a:r>
-              <a:rPr kumimoji="1" lang="ja-JP" altLang="en-US" smtClean="0"/>
+              <a:rPr kumimoji="1" lang="ja-JP" altLang="en-US"/>
               <a:t>第 </a:t>
             </a:r>
             <a:r>
-              <a:rPr kumimoji="1" lang="en-US" altLang="ja-JP" smtClean="0"/>
+              <a:rPr kumimoji="1" lang="en-US" altLang="ja-JP"/>
               <a:t>3 </a:t>
             </a:r>
             <a:r>
-              <a:rPr kumimoji="1" lang="ja-JP" altLang="en-US" smtClean="0"/>
+              <a:rPr kumimoji="1" lang="ja-JP" altLang="en-US"/>
               <a:t>レベル</a:t>
             </a:r>
           </a:p>
           <a:p>
             <a:pPr lvl="3"/>
             <a:r>
-              <a:rPr kumimoji="1" lang="ja-JP" altLang="en-US" smtClean="0"/>
+              <a:rPr kumimoji="1" lang="ja-JP" altLang="en-US"/>
               <a:t>第 </a:t>
             </a:r>
             <a:r>
-              <a:rPr kumimoji="1" lang="en-US" altLang="ja-JP" smtClean="0"/>
+              <a:rPr kumimoji="1" lang="en-US" altLang="ja-JP"/>
               <a:t>4 </a:t>
             </a:r>
             <a:r>
-              <a:rPr kumimoji="1" lang="ja-JP" altLang="en-US" smtClean="0"/>
+              <a:rPr kumimoji="1" lang="ja-JP" altLang="en-US"/>
               <a:t>レベル</a:t>
             </a:r>
           </a:p>
           <a:p>
             <a:pPr lvl="4"/>
             <a:r>
-              <a:rPr kumimoji="1" lang="ja-JP" altLang="en-US" smtClean="0"/>
+              <a:rPr kumimoji="1" lang="ja-JP" altLang="en-US"/>
               <a:t>第 </a:t>
             </a:r>
             <a:r>
-              <a:rPr kumimoji="1" lang="en-US" altLang="ja-JP" smtClean="0"/>
+              <a:rPr kumimoji="1" lang="en-US" altLang="ja-JP"/>
               <a:t>5 </a:t>
             </a:r>
             <a:r>
-              <a:rPr kumimoji="1" lang="ja-JP" altLang="en-US" smtClean="0"/>
+              <a:rPr kumimoji="1" lang="ja-JP" altLang="en-US"/>
               <a:t>レベル</a:t>
             </a:r>
-            <a:endParaRPr kumimoji="1" lang="ja-JP" altLang="en-US"/>
           </a:p>
         </p:txBody>
       </p:sp>
@@ -614,10 +629,9 @@
           <a:lstStyle/>
           <a:p>
             <a:r>
-              <a:rPr kumimoji="1" lang="ja-JP" altLang="en-US" smtClean="0"/>
+              <a:rPr kumimoji="1" lang="ja-JP" altLang="en-US"/>
               <a:t>マスター タイトルの書式設定</a:t>
             </a:r>
-            <a:endParaRPr kumimoji="1" lang="ja-JP" altLang="en-US"/>
           </a:p>
         </p:txBody>
       </p:sp>
@@ -733,10 +747,9 @@
           </a:lstStyle>
           <a:p>
             <a:r>
-              <a:rPr kumimoji="1" lang="ja-JP" altLang="en-US" smtClean="0"/>
+              <a:rPr kumimoji="1" lang="ja-JP" altLang="en-US"/>
               <a:t>マスター サブタイトルの書式設定</a:t>
             </a:r>
-            <a:endParaRPr kumimoji="1" lang="ja-JP" altLang="en-US"/>
           </a:p>
         </p:txBody>
       </p:sp>
@@ -757,7 +770,7 @@
           <a:p>
             <a:fld id="{758F928B-906C-4968-9727-1D03D2D6E443}" type="datetimeFigureOut">
               <a:rPr kumimoji="1" lang="ja-JP" altLang="en-US" smtClean="0"/>
-              <a:t>2017/1/10</a:t>
+              <a:t>2024/2/6</a:t>
             </a:fld>
             <a:endParaRPr kumimoji="1" lang="ja-JP" altLang="en-US"/>
           </a:p>
@@ -851,10 +864,9 @@
           <a:lstStyle/>
           <a:p>
             <a:r>
-              <a:rPr kumimoji="1" lang="ja-JP" altLang="en-US" smtClean="0"/>
+              <a:rPr kumimoji="1" lang="ja-JP" altLang="en-US"/>
               <a:t>マスター タイトルの書式設定</a:t>
             </a:r>
-            <a:endParaRPr kumimoji="1" lang="ja-JP" altLang="en-US"/>
           </a:p>
         </p:txBody>
       </p:sp>
@@ -875,70 +887,69 @@
           <a:p>
             <a:pPr lvl="0"/>
             <a:r>
-              <a:rPr kumimoji="1" lang="ja-JP" altLang="en-US" smtClean="0"/>
+              <a:rPr kumimoji="1" lang="ja-JP" altLang="en-US"/>
               <a:t>マスター テキストの書式設定</a:t>
             </a:r>
           </a:p>
           <a:p>
             <a:pPr lvl="1"/>
             <a:r>
-              <a:rPr kumimoji="1" lang="ja-JP" altLang="en-US" smtClean="0"/>
+              <a:rPr kumimoji="1" lang="ja-JP" altLang="en-US"/>
               <a:t>第 </a:t>
             </a:r>
             <a:r>
-              <a:rPr kumimoji="1" lang="en-US" altLang="ja-JP" smtClean="0"/>
+              <a:rPr kumimoji="1" lang="en-US" altLang="ja-JP"/>
               <a:t>2 </a:t>
             </a:r>
             <a:r>
-              <a:rPr kumimoji="1" lang="ja-JP" altLang="en-US" smtClean="0"/>
+              <a:rPr kumimoji="1" lang="ja-JP" altLang="en-US"/>
               <a:t>レベル</a:t>
             </a:r>
           </a:p>
           <a:p>
             <a:pPr lvl="2"/>
             <a:r>
-              <a:rPr kumimoji="1" lang="ja-JP" altLang="en-US" smtClean="0"/>
+              <a:rPr kumimoji="1" lang="ja-JP" altLang="en-US"/>
               <a:t>第 </a:t>
             </a:r>
             <a:r>
-              <a:rPr kumimoji="1" lang="en-US" altLang="ja-JP" smtClean="0"/>
+              <a:rPr kumimoji="1" lang="en-US" altLang="ja-JP"/>
               <a:t>3 </a:t>
             </a:r>
             <a:r>
-              <a:rPr kumimoji="1" lang="ja-JP" altLang="en-US" smtClean="0"/>
+              <a:rPr kumimoji="1" lang="ja-JP" altLang="en-US"/>
               <a:t>レベル</a:t>
             </a:r>
           </a:p>
           <a:p>
             <a:pPr lvl="3"/>
             <a:r>
-              <a:rPr kumimoji="1" lang="ja-JP" altLang="en-US" smtClean="0"/>
+              <a:rPr kumimoji="1" lang="ja-JP" altLang="en-US"/>
               <a:t>第 </a:t>
             </a:r>
             <a:r>
-              <a:rPr kumimoji="1" lang="en-US" altLang="ja-JP" smtClean="0"/>
+              <a:rPr kumimoji="1" lang="en-US" altLang="ja-JP"/>
               <a:t>4 </a:t>
             </a:r>
             <a:r>
-              <a:rPr kumimoji="1" lang="ja-JP" altLang="en-US" smtClean="0"/>
+              <a:rPr kumimoji="1" lang="ja-JP" altLang="en-US"/>
               <a:t>レベル</a:t>
             </a:r>
           </a:p>
           <a:p>
             <a:pPr lvl="4"/>
             <a:r>
-              <a:rPr kumimoji="1" lang="ja-JP" altLang="en-US" smtClean="0"/>
+              <a:rPr kumimoji="1" lang="ja-JP" altLang="en-US"/>
               <a:t>第 </a:t>
             </a:r>
             <a:r>
-              <a:rPr kumimoji="1" lang="en-US" altLang="ja-JP" smtClean="0"/>
+              <a:rPr kumimoji="1" lang="en-US" altLang="ja-JP"/>
               <a:t>5 </a:t>
             </a:r>
             <a:r>
-              <a:rPr kumimoji="1" lang="ja-JP" altLang="en-US" smtClean="0"/>
+              <a:rPr kumimoji="1" lang="ja-JP" altLang="en-US"/>
               <a:t>レベル</a:t>
             </a:r>
-            <a:endParaRPr kumimoji="1" lang="ja-JP" altLang="en-US"/>
           </a:p>
         </p:txBody>
       </p:sp>
@@ -959,7 +970,7 @@
           <a:p>
             <a:fld id="{758F928B-906C-4968-9727-1D03D2D6E443}" type="datetimeFigureOut">
               <a:rPr kumimoji="1" lang="ja-JP" altLang="en-US" smtClean="0"/>
-              <a:t>2017/1/10</a:t>
+              <a:t>2024/2/6</a:t>
             </a:fld>
             <a:endParaRPr kumimoji="1" lang="ja-JP" altLang="en-US"/>
           </a:p>
@@ -1058,10 +1069,9 @@
           <a:lstStyle/>
           <a:p>
             <a:r>
-              <a:rPr kumimoji="1" lang="ja-JP" altLang="en-US" smtClean="0"/>
+              <a:rPr kumimoji="1" lang="ja-JP" altLang="en-US"/>
               <a:t>マスター タイトルの書式設定</a:t>
             </a:r>
-            <a:endParaRPr kumimoji="1" lang="ja-JP" altLang="en-US"/>
           </a:p>
         </p:txBody>
       </p:sp>
@@ -1087,70 +1097,69 @@
           <a:p>
             <a:pPr lvl="0"/>
             <a:r>
-              <a:rPr kumimoji="1" lang="ja-JP" altLang="en-US" smtClean="0"/>
+              <a:rPr kumimoji="1" lang="ja-JP" altLang="en-US"/>
               <a:t>マスター テキストの書式設定</a:t>
             </a:r>
           </a:p>
           <a:p>
             <a:pPr lvl="1"/>
             <a:r>
-              <a:rPr kumimoji="1" lang="ja-JP" altLang="en-US" smtClean="0"/>
+              <a:rPr kumimoji="1" lang="ja-JP" altLang="en-US"/>
               <a:t>第 </a:t>
             </a:r>
             <a:r>
-              <a:rPr kumimoji="1" lang="en-US" altLang="ja-JP" smtClean="0"/>
+              <a:rPr kumimoji="1" lang="en-US" altLang="ja-JP"/>
               <a:t>2 </a:t>
             </a:r>
             <a:r>
-              <a:rPr kumimoji="1" lang="ja-JP" altLang="en-US" smtClean="0"/>
+              <a:rPr kumimoji="1" lang="ja-JP" altLang="en-US"/>
               <a:t>レベル</a:t>
             </a:r>
           </a:p>
           <a:p>
             <a:pPr lvl="2"/>
             <a:r>
-              <a:rPr kumimoji="1" lang="ja-JP" altLang="en-US" smtClean="0"/>
+              <a:rPr kumimoji="1" lang="ja-JP" altLang="en-US"/>
               <a:t>第 </a:t>
             </a:r>
             <a:r>
-              <a:rPr kumimoji="1" lang="en-US" altLang="ja-JP" smtClean="0"/>
+              <a:rPr kumimoji="1" lang="en-US" altLang="ja-JP"/>
               <a:t>3 </a:t>
             </a:r>
             <a:r>
-              <a:rPr kumimoji="1" lang="ja-JP" altLang="en-US" smtClean="0"/>
+              <a:rPr kumimoji="1" lang="ja-JP" altLang="en-US"/>
               <a:t>レベル</a:t>
             </a:r>
           </a:p>
           <a:p>
             <a:pPr lvl="3"/>
             <a:r>
-              <a:rPr kumimoji="1" lang="ja-JP" altLang="en-US" smtClean="0"/>
+              <a:rPr kumimoji="1" lang="ja-JP" altLang="en-US"/>
               <a:t>第 </a:t>
             </a:r>
             <a:r>
-              <a:rPr kumimoji="1" lang="en-US" altLang="ja-JP" smtClean="0"/>
+              <a:rPr kumimoji="1" lang="en-US" altLang="ja-JP"/>
               <a:t>4 </a:t>
             </a:r>
             <a:r>
-              <a:rPr kumimoji="1" lang="ja-JP" altLang="en-US" smtClean="0"/>
+              <a:rPr kumimoji="1" lang="ja-JP" altLang="en-US"/>
               <a:t>レベル</a:t>
             </a:r>
           </a:p>
           <a:p>
             <a:pPr lvl="4"/>
             <a:r>
-              <a:rPr kumimoji="1" lang="ja-JP" altLang="en-US" smtClean="0"/>
+              <a:rPr kumimoji="1" lang="ja-JP" altLang="en-US"/>
               <a:t>第 </a:t>
             </a:r>
             <a:r>
-              <a:rPr kumimoji="1" lang="en-US" altLang="ja-JP" smtClean="0"/>
+              <a:rPr kumimoji="1" lang="en-US" altLang="ja-JP"/>
               <a:t>5 </a:t>
             </a:r>
             <a:r>
-              <a:rPr kumimoji="1" lang="ja-JP" altLang="en-US" smtClean="0"/>
+              <a:rPr kumimoji="1" lang="ja-JP" altLang="en-US"/>
               <a:t>レベル</a:t>
             </a:r>
-            <a:endParaRPr kumimoji="1" lang="ja-JP" altLang="en-US"/>
           </a:p>
         </p:txBody>
       </p:sp>
@@ -1171,7 +1180,7 @@
           <a:p>
             <a:fld id="{758F928B-906C-4968-9727-1D03D2D6E443}" type="datetimeFigureOut">
               <a:rPr kumimoji="1" lang="ja-JP" altLang="en-US" smtClean="0"/>
-              <a:t>2017/1/10</a:t>
+              <a:t>2024/2/6</a:t>
             </a:fld>
             <a:endParaRPr kumimoji="1" lang="ja-JP" altLang="en-US"/>
           </a:p>
@@ -1265,10 +1274,9 @@
           <a:lstStyle/>
           <a:p>
             <a:r>
-              <a:rPr kumimoji="1" lang="ja-JP" altLang="en-US" smtClean="0"/>
+              <a:rPr kumimoji="1" lang="ja-JP" altLang="en-US"/>
               <a:t>マスター タイトルの書式設定</a:t>
             </a:r>
-            <a:endParaRPr kumimoji="1" lang="ja-JP" altLang="en-US"/>
           </a:p>
         </p:txBody>
       </p:sp>
@@ -1289,70 +1297,69 @@
           <a:p>
             <a:pPr lvl="0"/>
             <a:r>
-              <a:rPr kumimoji="1" lang="ja-JP" altLang="en-US" smtClean="0"/>
+              <a:rPr kumimoji="1" lang="ja-JP" altLang="en-US"/>
               <a:t>マスター テキストの書式設定</a:t>
             </a:r>
           </a:p>
           <a:p>
             <a:pPr lvl="1"/>
             <a:r>
-              <a:rPr kumimoji="1" lang="ja-JP" altLang="en-US" smtClean="0"/>
+              <a:rPr kumimoji="1" lang="ja-JP" altLang="en-US"/>
               <a:t>第 </a:t>
             </a:r>
             <a:r>
-              <a:rPr kumimoji="1" lang="en-US" altLang="ja-JP" smtClean="0"/>
+              <a:rPr kumimoji="1" lang="en-US" altLang="ja-JP"/>
               <a:t>2 </a:t>
             </a:r>
             <a:r>
-              <a:rPr kumimoji="1" lang="ja-JP" altLang="en-US" smtClean="0"/>
+              <a:rPr kumimoji="1" lang="ja-JP" altLang="en-US"/>
               <a:t>レベル</a:t>
             </a:r>
           </a:p>
           <a:p>
             <a:pPr lvl="2"/>
             <a:r>
-              <a:rPr kumimoji="1" lang="ja-JP" altLang="en-US" smtClean="0"/>
+              <a:rPr kumimoji="1" lang="ja-JP" altLang="en-US"/>
               <a:t>第 </a:t>
             </a:r>
             <a:r>
-              <a:rPr kumimoji="1" lang="en-US" altLang="ja-JP" smtClean="0"/>
+              <a:rPr kumimoji="1" lang="en-US" altLang="ja-JP"/>
               <a:t>3 </a:t>
             </a:r>
             <a:r>
-              <a:rPr kumimoji="1" lang="ja-JP" altLang="en-US" smtClean="0"/>
+              <a:rPr kumimoji="1" lang="ja-JP" altLang="en-US"/>
               <a:t>レベル</a:t>
             </a:r>
           </a:p>
           <a:p>
             <a:pPr lvl="3"/>
             <a:r>
-              <a:rPr kumimoji="1" lang="ja-JP" altLang="en-US" smtClean="0"/>
+              <a:rPr kumimoji="1" lang="ja-JP" altLang="en-US"/>
               <a:t>第 </a:t>
             </a:r>
             <a:r>
-              <a:rPr kumimoji="1" lang="en-US" altLang="ja-JP" smtClean="0"/>
+              <a:rPr kumimoji="1" lang="en-US" altLang="ja-JP"/>
               <a:t>4 </a:t>
             </a:r>
             <a:r>
-              <a:rPr kumimoji="1" lang="ja-JP" altLang="en-US" smtClean="0"/>
+              <a:rPr kumimoji="1" lang="ja-JP" altLang="en-US"/>
               <a:t>レベル</a:t>
             </a:r>
           </a:p>
           <a:p>
             <a:pPr lvl="4"/>
             <a:r>
-              <a:rPr kumimoji="1" lang="ja-JP" altLang="en-US" smtClean="0"/>
+              <a:rPr kumimoji="1" lang="ja-JP" altLang="en-US"/>
               <a:t>第 </a:t>
             </a:r>
             <a:r>
-              <a:rPr kumimoji="1" lang="en-US" altLang="ja-JP" smtClean="0"/>
+              <a:rPr kumimoji="1" lang="en-US" altLang="ja-JP"/>
               <a:t>5 </a:t>
             </a:r>
             <a:r>
-              <a:rPr kumimoji="1" lang="ja-JP" altLang="en-US" smtClean="0"/>
+              <a:rPr kumimoji="1" lang="ja-JP" altLang="en-US"/>
               <a:t>レベル</a:t>
             </a:r>
-            <a:endParaRPr kumimoji="1" lang="ja-JP" altLang="en-US"/>
           </a:p>
         </p:txBody>
       </p:sp>
@@ -1373,7 +1380,7 @@
           <a:p>
             <a:fld id="{758F928B-906C-4968-9727-1D03D2D6E443}" type="datetimeFigureOut">
               <a:rPr kumimoji="1" lang="ja-JP" altLang="en-US" smtClean="0"/>
-              <a:t>2017/1/10</a:t>
+              <a:t>2024/2/6</a:t>
             </a:fld>
             <a:endParaRPr kumimoji="1" lang="ja-JP" altLang="en-US"/>
           </a:p>
@@ -1476,10 +1483,9 @@
           </a:lstStyle>
           <a:p>
             <a:r>
-              <a:rPr kumimoji="1" lang="ja-JP" altLang="en-US" smtClean="0"/>
+              <a:rPr kumimoji="1" lang="ja-JP" altLang="en-US"/>
               <a:t>マスター タイトルの書式設定</a:t>
             </a:r>
-            <a:endParaRPr kumimoji="1" lang="ja-JP" altLang="en-US"/>
           </a:p>
         </p:txBody>
       </p:sp>
@@ -1596,7 +1602,7 @@
           <a:p>
             <a:pPr lvl="0"/>
             <a:r>
-              <a:rPr kumimoji="1" lang="ja-JP" altLang="en-US" smtClean="0"/>
+              <a:rPr kumimoji="1" lang="ja-JP" altLang="en-US"/>
               <a:t>マスター テキストの書式設定</a:t>
             </a:r>
           </a:p>
@@ -1619,7 +1625,7 @@
           <a:p>
             <a:fld id="{758F928B-906C-4968-9727-1D03D2D6E443}" type="datetimeFigureOut">
               <a:rPr kumimoji="1" lang="ja-JP" altLang="en-US" smtClean="0"/>
-              <a:t>2017/1/10</a:t>
+              <a:t>2024/2/6</a:t>
             </a:fld>
             <a:endParaRPr kumimoji="1" lang="ja-JP" altLang="en-US"/>
           </a:p>
@@ -1713,10 +1719,9 @@
           <a:lstStyle/>
           <a:p>
             <a:r>
-              <a:rPr kumimoji="1" lang="ja-JP" altLang="en-US" smtClean="0"/>
+              <a:rPr kumimoji="1" lang="ja-JP" altLang="en-US"/>
               <a:t>マスター タイトルの書式設定</a:t>
             </a:r>
-            <a:endParaRPr kumimoji="1" lang="ja-JP" altLang="en-US"/>
           </a:p>
         </p:txBody>
       </p:sp>
@@ -1770,70 +1775,69 @@
           <a:p>
             <a:pPr lvl="0"/>
             <a:r>
-              <a:rPr kumimoji="1" lang="ja-JP" altLang="en-US" smtClean="0"/>
+              <a:rPr kumimoji="1" lang="ja-JP" altLang="en-US"/>
               <a:t>マスター テキストの書式設定</a:t>
             </a:r>
           </a:p>
           <a:p>
             <a:pPr lvl="1"/>
             <a:r>
-              <a:rPr kumimoji="1" lang="ja-JP" altLang="en-US" smtClean="0"/>
+              <a:rPr kumimoji="1" lang="ja-JP" altLang="en-US"/>
               <a:t>第 </a:t>
             </a:r>
             <a:r>
-              <a:rPr kumimoji="1" lang="en-US" altLang="ja-JP" smtClean="0"/>
+              <a:rPr kumimoji="1" lang="en-US" altLang="ja-JP"/>
               <a:t>2 </a:t>
             </a:r>
             <a:r>
-              <a:rPr kumimoji="1" lang="ja-JP" altLang="en-US" smtClean="0"/>
+              <a:rPr kumimoji="1" lang="ja-JP" altLang="en-US"/>
               <a:t>レベル</a:t>
             </a:r>
           </a:p>
           <a:p>
             <a:pPr lvl="2"/>
             <a:r>
-              <a:rPr kumimoji="1" lang="ja-JP" altLang="en-US" smtClean="0"/>
+              <a:rPr kumimoji="1" lang="ja-JP" altLang="en-US"/>
               <a:t>第 </a:t>
             </a:r>
             <a:r>
-              <a:rPr kumimoji="1" lang="en-US" altLang="ja-JP" smtClean="0"/>
+              <a:rPr kumimoji="1" lang="en-US" altLang="ja-JP"/>
               <a:t>3 </a:t>
             </a:r>
             <a:r>
-              <a:rPr kumimoji="1" lang="ja-JP" altLang="en-US" smtClean="0"/>
+              <a:rPr kumimoji="1" lang="ja-JP" altLang="en-US"/>
               <a:t>レベル</a:t>
             </a:r>
           </a:p>
           <a:p>
             <a:pPr lvl="3"/>
             <a:r>
-              <a:rPr kumimoji="1" lang="ja-JP" altLang="en-US" smtClean="0"/>
+              <a:rPr kumimoji="1" lang="ja-JP" altLang="en-US"/>
               <a:t>第 </a:t>
             </a:r>
             <a:r>
-              <a:rPr kumimoji="1" lang="en-US" altLang="ja-JP" smtClean="0"/>
+              <a:rPr kumimoji="1" lang="en-US" altLang="ja-JP"/>
               <a:t>4 </a:t>
             </a:r>
             <a:r>
-              <a:rPr kumimoji="1" lang="ja-JP" altLang="en-US" smtClean="0"/>
+              <a:rPr kumimoji="1" lang="ja-JP" altLang="en-US"/>
               <a:t>レベル</a:t>
             </a:r>
           </a:p>
           <a:p>
             <a:pPr lvl="4"/>
             <a:r>
-              <a:rPr kumimoji="1" lang="ja-JP" altLang="en-US" smtClean="0"/>
+              <a:rPr kumimoji="1" lang="ja-JP" altLang="en-US"/>
               <a:t>第 </a:t>
             </a:r>
             <a:r>
-              <a:rPr kumimoji="1" lang="en-US" altLang="ja-JP" smtClean="0"/>
+              <a:rPr kumimoji="1" lang="en-US" altLang="ja-JP"/>
               <a:t>5 </a:t>
             </a:r>
             <a:r>
-              <a:rPr kumimoji="1" lang="ja-JP" altLang="en-US" smtClean="0"/>
+              <a:rPr kumimoji="1" lang="ja-JP" altLang="en-US"/>
               <a:t>レベル</a:t>
             </a:r>
-            <a:endParaRPr kumimoji="1" lang="ja-JP" altLang="en-US"/>
           </a:p>
         </p:txBody>
       </p:sp>
@@ -1887,70 +1891,69 @@
           <a:p>
             <a:pPr lvl="0"/>
             <a:r>
-              <a:rPr kumimoji="1" lang="ja-JP" altLang="en-US" smtClean="0"/>
+              <a:rPr kumimoji="1" lang="ja-JP" altLang="en-US"/>
               <a:t>マスター テキストの書式設定</a:t>
             </a:r>
           </a:p>
           <a:p>
             <a:pPr lvl="1"/>
             <a:r>
-              <a:rPr kumimoji="1" lang="ja-JP" altLang="en-US" smtClean="0"/>
+              <a:rPr kumimoji="1" lang="ja-JP" altLang="en-US"/>
               <a:t>第 </a:t>
             </a:r>
             <a:r>
-              <a:rPr kumimoji="1" lang="en-US" altLang="ja-JP" smtClean="0"/>
+              <a:rPr kumimoji="1" lang="en-US" altLang="ja-JP"/>
               <a:t>2 </a:t>
             </a:r>
             <a:r>
-              <a:rPr kumimoji="1" lang="ja-JP" altLang="en-US" smtClean="0"/>
+              <a:rPr kumimoji="1" lang="ja-JP" altLang="en-US"/>
               <a:t>レベル</a:t>
             </a:r>
           </a:p>
           <a:p>
             <a:pPr lvl="2"/>
             <a:r>
-              <a:rPr kumimoji="1" lang="ja-JP" altLang="en-US" smtClean="0"/>
+              <a:rPr kumimoji="1" lang="ja-JP" altLang="en-US"/>
               <a:t>第 </a:t>
             </a:r>
             <a:r>
-              <a:rPr kumimoji="1" lang="en-US" altLang="ja-JP" smtClean="0"/>
+              <a:rPr kumimoji="1" lang="en-US" altLang="ja-JP"/>
               <a:t>3 </a:t>
             </a:r>
             <a:r>
-              <a:rPr kumimoji="1" lang="ja-JP" altLang="en-US" smtClean="0"/>
+              <a:rPr kumimoji="1" lang="ja-JP" altLang="en-US"/>
               <a:t>レベル</a:t>
             </a:r>
           </a:p>
           <a:p>
             <a:pPr lvl="3"/>
             <a:r>
-              <a:rPr kumimoji="1" lang="ja-JP" altLang="en-US" smtClean="0"/>
+              <a:rPr kumimoji="1" lang="ja-JP" altLang="en-US"/>
               <a:t>第 </a:t>
             </a:r>
             <a:r>
-              <a:rPr kumimoji="1" lang="en-US" altLang="ja-JP" smtClean="0"/>
+              <a:rPr kumimoji="1" lang="en-US" altLang="ja-JP"/>
               <a:t>4 </a:t>
             </a:r>
             <a:r>
-              <a:rPr kumimoji="1" lang="ja-JP" altLang="en-US" smtClean="0"/>
+              <a:rPr kumimoji="1" lang="ja-JP" altLang="en-US"/>
               <a:t>レベル</a:t>
             </a:r>
           </a:p>
           <a:p>
             <a:pPr lvl="4"/>
             <a:r>
-              <a:rPr kumimoji="1" lang="ja-JP" altLang="en-US" smtClean="0"/>
+              <a:rPr kumimoji="1" lang="ja-JP" altLang="en-US"/>
               <a:t>第 </a:t>
             </a:r>
             <a:r>
-              <a:rPr kumimoji="1" lang="en-US" altLang="ja-JP" smtClean="0"/>
+              <a:rPr kumimoji="1" lang="en-US" altLang="ja-JP"/>
               <a:t>5 </a:t>
             </a:r>
             <a:r>
-              <a:rPr kumimoji="1" lang="ja-JP" altLang="en-US" smtClean="0"/>
+              <a:rPr kumimoji="1" lang="ja-JP" altLang="en-US"/>
               <a:t>レベル</a:t>
             </a:r>
-            <a:endParaRPr kumimoji="1" lang="ja-JP" altLang="en-US"/>
           </a:p>
         </p:txBody>
       </p:sp>
@@ -1971,7 +1974,7 @@
           <a:p>
             <a:fld id="{758F928B-906C-4968-9727-1D03D2D6E443}" type="datetimeFigureOut">
               <a:rPr kumimoji="1" lang="ja-JP" altLang="en-US" smtClean="0"/>
-              <a:t>2017/1/10</a:t>
+              <a:t>2024/2/6</a:t>
             </a:fld>
             <a:endParaRPr kumimoji="1" lang="ja-JP" altLang="en-US"/>
           </a:p>
@@ -2069,10 +2072,9 @@
           </a:lstStyle>
           <a:p>
             <a:r>
-              <a:rPr kumimoji="1" lang="ja-JP" altLang="en-US" smtClean="0"/>
+              <a:rPr kumimoji="1" lang="ja-JP" altLang="en-US"/>
               <a:t>マスター タイトルの書式設定</a:t>
             </a:r>
-            <a:endParaRPr kumimoji="1" lang="ja-JP" altLang="en-US"/>
           </a:p>
         </p:txBody>
       </p:sp>
@@ -2135,7 +2137,7 @@
           <a:p>
             <a:pPr lvl="0"/>
             <a:r>
-              <a:rPr kumimoji="1" lang="ja-JP" altLang="en-US" smtClean="0"/>
+              <a:rPr kumimoji="1" lang="ja-JP" altLang="en-US"/>
               <a:t>マスター テキストの書式設定</a:t>
             </a:r>
           </a:p>
@@ -2191,70 +2193,69 @@
           <a:p>
             <a:pPr lvl="0"/>
             <a:r>
-              <a:rPr kumimoji="1" lang="ja-JP" altLang="en-US" smtClean="0"/>
+              <a:rPr kumimoji="1" lang="ja-JP" altLang="en-US"/>
               <a:t>マスター テキストの書式設定</a:t>
             </a:r>
           </a:p>
           <a:p>
             <a:pPr lvl="1"/>
             <a:r>
-              <a:rPr kumimoji="1" lang="ja-JP" altLang="en-US" smtClean="0"/>
+              <a:rPr kumimoji="1" lang="ja-JP" altLang="en-US"/>
               <a:t>第 </a:t>
             </a:r>
             <a:r>
-              <a:rPr kumimoji="1" lang="en-US" altLang="ja-JP" smtClean="0"/>
+              <a:rPr kumimoji="1" lang="en-US" altLang="ja-JP"/>
               <a:t>2 </a:t>
             </a:r>
             <a:r>
-              <a:rPr kumimoji="1" lang="ja-JP" altLang="en-US" smtClean="0"/>
+              <a:rPr kumimoji="1" lang="ja-JP" altLang="en-US"/>
               <a:t>レベル</a:t>
             </a:r>
           </a:p>
           <a:p>
             <a:pPr lvl="2"/>
             <a:r>
-              <a:rPr kumimoji="1" lang="ja-JP" altLang="en-US" smtClean="0"/>
+              <a:rPr kumimoji="1" lang="ja-JP" altLang="en-US"/>
               <a:t>第 </a:t>
             </a:r>
             <a:r>
-              <a:rPr kumimoji="1" lang="en-US" altLang="ja-JP" smtClean="0"/>
+              <a:rPr kumimoji="1" lang="en-US" altLang="ja-JP"/>
               <a:t>3 </a:t>
             </a:r>
             <a:r>
-              <a:rPr kumimoji="1" lang="ja-JP" altLang="en-US" smtClean="0"/>
+              <a:rPr kumimoji="1" lang="ja-JP" altLang="en-US"/>
               <a:t>レベル</a:t>
             </a:r>
           </a:p>
           <a:p>
             <a:pPr lvl="3"/>
             <a:r>
-              <a:rPr kumimoji="1" lang="ja-JP" altLang="en-US" smtClean="0"/>
+              <a:rPr kumimoji="1" lang="ja-JP" altLang="en-US"/>
               <a:t>第 </a:t>
             </a:r>
             <a:r>
-              <a:rPr kumimoji="1" lang="en-US" altLang="ja-JP" smtClean="0"/>
+              <a:rPr kumimoji="1" lang="en-US" altLang="ja-JP"/>
               <a:t>4 </a:t>
             </a:r>
             <a:r>
-              <a:rPr kumimoji="1" lang="ja-JP" altLang="en-US" smtClean="0"/>
+              <a:rPr kumimoji="1" lang="ja-JP" altLang="en-US"/>
               <a:t>レベル</a:t>
             </a:r>
           </a:p>
           <a:p>
             <a:pPr lvl="4"/>
             <a:r>
-              <a:rPr kumimoji="1" lang="ja-JP" altLang="en-US" smtClean="0"/>
+              <a:rPr kumimoji="1" lang="ja-JP" altLang="en-US"/>
               <a:t>第 </a:t>
             </a:r>
             <a:r>
-              <a:rPr kumimoji="1" lang="en-US" altLang="ja-JP" smtClean="0"/>
+              <a:rPr kumimoji="1" lang="en-US" altLang="ja-JP"/>
               <a:t>5 </a:t>
             </a:r>
             <a:r>
-              <a:rPr kumimoji="1" lang="ja-JP" altLang="en-US" smtClean="0"/>
+              <a:rPr kumimoji="1" lang="ja-JP" altLang="en-US"/>
               <a:t>レベル</a:t>
             </a:r>
-            <a:endParaRPr kumimoji="1" lang="ja-JP" altLang="en-US"/>
           </a:p>
         </p:txBody>
       </p:sp>
@@ -2317,7 +2318,7 @@
           <a:p>
             <a:pPr lvl="0"/>
             <a:r>
-              <a:rPr kumimoji="1" lang="ja-JP" altLang="en-US" smtClean="0"/>
+              <a:rPr kumimoji="1" lang="ja-JP" altLang="en-US"/>
               <a:t>マスター テキストの書式設定</a:t>
             </a:r>
           </a:p>
@@ -2373,70 +2374,69 @@
           <a:p>
             <a:pPr lvl="0"/>
             <a:r>
-              <a:rPr kumimoji="1" lang="ja-JP" altLang="en-US" smtClean="0"/>
+              <a:rPr kumimoji="1" lang="ja-JP" altLang="en-US"/>
               <a:t>マスター テキストの書式設定</a:t>
             </a:r>
           </a:p>
           <a:p>
             <a:pPr lvl="1"/>
             <a:r>
-              <a:rPr kumimoji="1" lang="ja-JP" altLang="en-US" smtClean="0"/>
+              <a:rPr kumimoji="1" lang="ja-JP" altLang="en-US"/>
               <a:t>第 </a:t>
             </a:r>
             <a:r>
-              <a:rPr kumimoji="1" lang="en-US" altLang="ja-JP" smtClean="0"/>
+              <a:rPr kumimoji="1" lang="en-US" altLang="ja-JP"/>
               <a:t>2 </a:t>
             </a:r>
             <a:r>
-              <a:rPr kumimoji="1" lang="ja-JP" altLang="en-US" smtClean="0"/>
+              <a:rPr kumimoji="1" lang="ja-JP" altLang="en-US"/>
               <a:t>レベル</a:t>
             </a:r>
           </a:p>
           <a:p>
             <a:pPr lvl="2"/>
             <a:r>
-              <a:rPr kumimoji="1" lang="ja-JP" altLang="en-US" smtClean="0"/>
+              <a:rPr kumimoji="1" lang="ja-JP" altLang="en-US"/>
               <a:t>第 </a:t>
             </a:r>
             <a:r>
-              <a:rPr kumimoji="1" lang="en-US" altLang="ja-JP" smtClean="0"/>
+              <a:rPr kumimoji="1" lang="en-US" altLang="ja-JP"/>
               <a:t>3 </a:t>
             </a:r>
             <a:r>
-              <a:rPr kumimoji="1" lang="ja-JP" altLang="en-US" smtClean="0"/>
+              <a:rPr kumimoji="1" lang="ja-JP" altLang="en-US"/>
               <a:t>レベル</a:t>
             </a:r>
           </a:p>
           <a:p>
             <a:pPr lvl="3"/>
             <a:r>
-              <a:rPr kumimoji="1" lang="ja-JP" altLang="en-US" smtClean="0"/>
+              <a:rPr kumimoji="1" lang="ja-JP" altLang="en-US"/>
               <a:t>第 </a:t>
             </a:r>
             <a:r>
-              <a:rPr kumimoji="1" lang="en-US" altLang="ja-JP" smtClean="0"/>
+              <a:rPr kumimoji="1" lang="en-US" altLang="ja-JP"/>
               <a:t>4 </a:t>
             </a:r>
             <a:r>
-              <a:rPr kumimoji="1" lang="ja-JP" altLang="en-US" smtClean="0"/>
+              <a:rPr kumimoji="1" lang="ja-JP" altLang="en-US"/>
               <a:t>レベル</a:t>
             </a:r>
           </a:p>
           <a:p>
             <a:pPr lvl="4"/>
             <a:r>
-              <a:rPr kumimoji="1" lang="ja-JP" altLang="en-US" smtClean="0"/>
+              <a:rPr kumimoji="1" lang="ja-JP" altLang="en-US"/>
               <a:t>第 </a:t>
             </a:r>
             <a:r>
-              <a:rPr kumimoji="1" lang="en-US" altLang="ja-JP" smtClean="0"/>
+              <a:rPr kumimoji="1" lang="en-US" altLang="ja-JP"/>
               <a:t>5 </a:t>
             </a:r>
             <a:r>
-              <a:rPr kumimoji="1" lang="ja-JP" altLang="en-US" smtClean="0"/>
+              <a:rPr kumimoji="1" lang="ja-JP" altLang="en-US"/>
               <a:t>レベル</a:t>
             </a:r>
-            <a:endParaRPr kumimoji="1" lang="ja-JP" altLang="en-US"/>
           </a:p>
         </p:txBody>
       </p:sp>
@@ -2457,7 +2457,7 @@
           <a:p>
             <a:fld id="{758F928B-906C-4968-9727-1D03D2D6E443}" type="datetimeFigureOut">
               <a:rPr kumimoji="1" lang="ja-JP" altLang="en-US" smtClean="0"/>
-              <a:t>2017/1/10</a:t>
+              <a:t>2024/2/6</a:t>
             </a:fld>
             <a:endParaRPr kumimoji="1" lang="ja-JP" altLang="en-US"/>
           </a:p>
@@ -2551,10 +2551,9 @@
           <a:lstStyle/>
           <a:p>
             <a:r>
-              <a:rPr kumimoji="1" lang="ja-JP" altLang="en-US" smtClean="0"/>
+              <a:rPr kumimoji="1" lang="ja-JP" altLang="en-US"/>
               <a:t>マスター タイトルの書式設定</a:t>
             </a:r>
-            <a:endParaRPr kumimoji="1" lang="ja-JP" altLang="en-US"/>
           </a:p>
         </p:txBody>
       </p:sp>
@@ -2575,7 +2574,7 @@
           <a:p>
             <a:fld id="{758F928B-906C-4968-9727-1D03D2D6E443}" type="datetimeFigureOut">
               <a:rPr kumimoji="1" lang="ja-JP" altLang="en-US" smtClean="0"/>
-              <a:t>2017/1/10</a:t>
+              <a:t>2024/2/6</a:t>
             </a:fld>
             <a:endParaRPr kumimoji="1" lang="ja-JP" altLang="en-US"/>
           </a:p>
@@ -2670,7 +2669,7 @@
           <a:p>
             <a:fld id="{758F928B-906C-4968-9727-1D03D2D6E443}" type="datetimeFigureOut">
               <a:rPr kumimoji="1" lang="ja-JP" altLang="en-US" smtClean="0"/>
-              <a:t>2017/1/10</a:t>
+              <a:t>2024/2/6</a:t>
             </a:fld>
             <a:endParaRPr kumimoji="1" lang="ja-JP" altLang="en-US"/>
           </a:p>
@@ -2773,10 +2772,9 @@
           </a:lstStyle>
           <a:p>
             <a:r>
-              <a:rPr kumimoji="1" lang="ja-JP" altLang="en-US" smtClean="0"/>
+              <a:rPr kumimoji="1" lang="ja-JP" altLang="en-US"/>
               <a:t>マスター タイトルの書式設定</a:t>
             </a:r>
-            <a:endParaRPr kumimoji="1" lang="ja-JP" altLang="en-US"/>
           </a:p>
         </p:txBody>
       </p:sp>
@@ -2830,70 +2828,69 @@
           <a:p>
             <a:pPr lvl="0"/>
             <a:r>
-              <a:rPr kumimoji="1" lang="ja-JP" altLang="en-US" smtClean="0"/>
+              <a:rPr kumimoji="1" lang="ja-JP" altLang="en-US"/>
               <a:t>マスター テキストの書式設定</a:t>
             </a:r>
           </a:p>
           <a:p>
             <a:pPr lvl="1"/>
             <a:r>
-              <a:rPr kumimoji="1" lang="ja-JP" altLang="en-US" smtClean="0"/>
+              <a:rPr kumimoji="1" lang="ja-JP" altLang="en-US"/>
               <a:t>第 </a:t>
             </a:r>
             <a:r>
-              <a:rPr kumimoji="1" lang="en-US" altLang="ja-JP" smtClean="0"/>
+              <a:rPr kumimoji="1" lang="en-US" altLang="ja-JP"/>
               <a:t>2 </a:t>
             </a:r>
             <a:r>
-              <a:rPr kumimoji="1" lang="ja-JP" altLang="en-US" smtClean="0"/>
+              <a:rPr kumimoji="1" lang="ja-JP" altLang="en-US"/>
               <a:t>レベル</a:t>
             </a:r>
           </a:p>
           <a:p>
             <a:pPr lvl="2"/>
             <a:r>
-              <a:rPr kumimoji="1" lang="ja-JP" altLang="en-US" smtClean="0"/>
+              <a:rPr kumimoji="1" lang="ja-JP" altLang="en-US"/>
               <a:t>第 </a:t>
             </a:r>
             <a:r>
-              <a:rPr kumimoji="1" lang="en-US" altLang="ja-JP" smtClean="0"/>
+              <a:rPr kumimoji="1" lang="en-US" altLang="ja-JP"/>
               <a:t>3 </a:t>
             </a:r>
             <a:r>
-              <a:rPr kumimoji="1" lang="ja-JP" altLang="en-US" smtClean="0"/>
+              <a:rPr kumimoji="1" lang="ja-JP" altLang="en-US"/>
               <a:t>レベル</a:t>
             </a:r>
           </a:p>
           <a:p>
             <a:pPr lvl="3"/>
             <a:r>
-              <a:rPr kumimoji="1" lang="ja-JP" altLang="en-US" smtClean="0"/>
+              <a:rPr kumimoji="1" lang="ja-JP" altLang="en-US"/>
               <a:t>第 </a:t>
             </a:r>
             <a:r>
-              <a:rPr kumimoji="1" lang="en-US" altLang="ja-JP" smtClean="0"/>
+              <a:rPr kumimoji="1" lang="en-US" altLang="ja-JP"/>
               <a:t>4 </a:t>
             </a:r>
             <a:r>
-              <a:rPr kumimoji="1" lang="ja-JP" altLang="en-US" smtClean="0"/>
+              <a:rPr kumimoji="1" lang="ja-JP" altLang="en-US"/>
               <a:t>レベル</a:t>
             </a:r>
           </a:p>
           <a:p>
             <a:pPr lvl="4"/>
             <a:r>
-              <a:rPr kumimoji="1" lang="ja-JP" altLang="en-US" smtClean="0"/>
+              <a:rPr kumimoji="1" lang="ja-JP" altLang="en-US"/>
               <a:t>第 </a:t>
             </a:r>
             <a:r>
-              <a:rPr kumimoji="1" lang="en-US" altLang="ja-JP" smtClean="0"/>
+              <a:rPr kumimoji="1" lang="en-US" altLang="ja-JP"/>
               <a:t>5 </a:t>
             </a:r>
             <a:r>
-              <a:rPr kumimoji="1" lang="ja-JP" altLang="en-US" smtClean="0"/>
+              <a:rPr kumimoji="1" lang="ja-JP" altLang="en-US"/>
               <a:t>レベル</a:t>
             </a:r>
-            <a:endParaRPr kumimoji="1" lang="ja-JP" altLang="en-US"/>
           </a:p>
         </p:txBody>
       </p:sp>
@@ -2956,7 +2953,7 @@
           <a:p>
             <a:pPr lvl="0"/>
             <a:r>
-              <a:rPr kumimoji="1" lang="ja-JP" altLang="en-US" smtClean="0"/>
+              <a:rPr kumimoji="1" lang="ja-JP" altLang="en-US"/>
               <a:t>マスター テキストの書式設定</a:t>
             </a:r>
           </a:p>
@@ -2979,7 +2976,7 @@
           <a:p>
             <a:fld id="{758F928B-906C-4968-9727-1D03D2D6E443}" type="datetimeFigureOut">
               <a:rPr kumimoji="1" lang="ja-JP" altLang="en-US" smtClean="0"/>
-              <a:t>2017/1/10</a:t>
+              <a:t>2024/2/6</a:t>
             </a:fld>
             <a:endParaRPr kumimoji="1" lang="ja-JP" altLang="en-US"/>
           </a:p>
@@ -3082,10 +3079,9 @@
           </a:lstStyle>
           <a:p>
             <a:r>
-              <a:rPr kumimoji="1" lang="ja-JP" altLang="en-US" smtClean="0"/>
+              <a:rPr kumimoji="1" lang="ja-JP" altLang="en-US"/>
               <a:t>マスター タイトルの書式設定</a:t>
             </a:r>
-            <a:endParaRPr kumimoji="1" lang="ja-JP" altLang="en-US"/>
           </a:p>
         </p:txBody>
       </p:sp>
@@ -3209,7 +3205,7 @@
           <a:p>
             <a:pPr lvl="0"/>
             <a:r>
-              <a:rPr kumimoji="1" lang="ja-JP" altLang="en-US" smtClean="0"/>
+              <a:rPr kumimoji="1" lang="ja-JP" altLang="en-US"/>
               <a:t>マスター テキストの書式設定</a:t>
             </a:r>
           </a:p>
@@ -3232,7 +3228,7 @@
           <a:p>
             <a:fld id="{758F928B-906C-4968-9727-1D03D2D6E443}" type="datetimeFigureOut">
               <a:rPr kumimoji="1" lang="ja-JP" altLang="en-US" smtClean="0"/>
-              <a:t>2017/1/10</a:t>
+              <a:t>2024/2/6</a:t>
             </a:fld>
             <a:endParaRPr kumimoji="1" lang="ja-JP" altLang="en-US"/>
           </a:p>
@@ -3341,10 +3337,9 @@
           <a:lstStyle/>
           <a:p>
             <a:r>
-              <a:rPr kumimoji="1" lang="ja-JP" altLang="en-US" smtClean="0"/>
+              <a:rPr kumimoji="1" lang="ja-JP" altLang="en-US"/>
               <a:t>マスター タイトルの書式設定</a:t>
             </a:r>
-            <a:endParaRPr kumimoji="1" lang="ja-JP" altLang="en-US"/>
           </a:p>
         </p:txBody>
       </p:sp>
@@ -3375,70 +3370,69 @@
           <a:p>
             <a:pPr lvl="0"/>
             <a:r>
-              <a:rPr kumimoji="1" lang="ja-JP" altLang="en-US" smtClean="0"/>
+              <a:rPr kumimoji="1" lang="ja-JP" altLang="en-US"/>
               <a:t>マスター テキストの書式設定</a:t>
             </a:r>
           </a:p>
           <a:p>
             <a:pPr lvl="1"/>
             <a:r>
-              <a:rPr kumimoji="1" lang="ja-JP" altLang="en-US" smtClean="0"/>
+              <a:rPr kumimoji="1" lang="ja-JP" altLang="en-US"/>
               <a:t>第 </a:t>
             </a:r>
             <a:r>
-              <a:rPr kumimoji="1" lang="en-US" altLang="ja-JP" smtClean="0"/>
+              <a:rPr kumimoji="1" lang="en-US" altLang="ja-JP"/>
               <a:t>2 </a:t>
             </a:r>
             <a:r>
-              <a:rPr kumimoji="1" lang="ja-JP" altLang="en-US" smtClean="0"/>
+              <a:rPr kumimoji="1" lang="ja-JP" altLang="en-US"/>
               <a:t>レベル</a:t>
             </a:r>
           </a:p>
           <a:p>
             <a:pPr lvl="2"/>
             <a:r>
-              <a:rPr kumimoji="1" lang="ja-JP" altLang="en-US" smtClean="0"/>
+              <a:rPr kumimoji="1" lang="ja-JP" altLang="en-US"/>
               <a:t>第 </a:t>
             </a:r>
             <a:r>
-              <a:rPr kumimoji="1" lang="en-US" altLang="ja-JP" smtClean="0"/>
+              <a:rPr kumimoji="1" lang="en-US" altLang="ja-JP"/>
               <a:t>3 </a:t>
             </a:r>
             <a:r>
-              <a:rPr kumimoji="1" lang="ja-JP" altLang="en-US" smtClean="0"/>
+              <a:rPr kumimoji="1" lang="ja-JP" altLang="en-US"/>
               <a:t>レベル</a:t>
             </a:r>
           </a:p>
           <a:p>
             <a:pPr lvl="3"/>
             <a:r>
-              <a:rPr kumimoji="1" lang="ja-JP" altLang="en-US" smtClean="0"/>
+              <a:rPr kumimoji="1" lang="ja-JP" altLang="en-US"/>
               <a:t>第 </a:t>
             </a:r>
             <a:r>
-              <a:rPr kumimoji="1" lang="en-US" altLang="ja-JP" smtClean="0"/>
+              <a:rPr kumimoji="1" lang="en-US" altLang="ja-JP"/>
               <a:t>4 </a:t>
             </a:r>
             <a:r>
-              <a:rPr kumimoji="1" lang="ja-JP" altLang="en-US" smtClean="0"/>
+              <a:rPr kumimoji="1" lang="ja-JP" altLang="en-US"/>
               <a:t>レベル</a:t>
             </a:r>
           </a:p>
           <a:p>
             <a:pPr lvl="4"/>
             <a:r>
-              <a:rPr kumimoji="1" lang="ja-JP" altLang="en-US" smtClean="0"/>
+              <a:rPr kumimoji="1" lang="ja-JP" altLang="en-US"/>
               <a:t>第 </a:t>
             </a:r>
             <a:r>
-              <a:rPr kumimoji="1" lang="en-US" altLang="ja-JP" smtClean="0"/>
+              <a:rPr kumimoji="1" lang="en-US" altLang="ja-JP"/>
               <a:t>5 </a:t>
             </a:r>
             <a:r>
-              <a:rPr kumimoji="1" lang="ja-JP" altLang="en-US" smtClean="0"/>
+              <a:rPr kumimoji="1" lang="ja-JP" altLang="en-US"/>
               <a:t>レベル</a:t>
             </a:r>
-            <a:endParaRPr kumimoji="1" lang="ja-JP" altLang="en-US"/>
           </a:p>
         </p:txBody>
       </p:sp>
@@ -3477,7 +3471,7 @@
           <a:p>
             <a:fld id="{758F928B-906C-4968-9727-1D03D2D6E443}" type="datetimeFigureOut">
               <a:rPr kumimoji="1" lang="ja-JP" altLang="en-US" smtClean="0"/>
-              <a:t>2017/1/10</a:t>
+              <a:t>2024/2/6</a:t>
             </a:fld>
             <a:endParaRPr kumimoji="1" lang="ja-JP" altLang="en-US"/>
           </a:p>
@@ -3860,7 +3854,7 @@
         </p:nvSpPr>
         <p:spPr>
           <a:xfrm>
-            <a:off x="269522" y="44624"/>
+            <a:off x="288977" y="432420"/>
             <a:ext cx="8568952" cy="461665"/>
           </a:xfrm>
           <a:prstGeom prst="rect">
@@ -3889,18 +3883,17 @@
           <a:p>
             <a:pPr algn="ctr"/>
             <a:r>
-              <a:rPr kumimoji="1" lang="ja-JP" altLang="en-US" sz="2400" b="1" dirty="0" smtClean="0"/>
+              <a:rPr kumimoji="1" lang="ja-JP" altLang="en-US" sz="2400" b="1" dirty="0"/>
               <a:t>第</a:t>
             </a:r>
             <a:r>
-              <a:rPr kumimoji="1" lang="en-US" altLang="ja-JP" sz="2400" b="1" dirty="0" smtClean="0"/>
+              <a:rPr kumimoji="1" lang="en-US" altLang="ja-JP" sz="2400" b="1" dirty="0"/>
               <a:t>1</a:t>
             </a:r>
             <a:r>
-              <a:rPr kumimoji="1" lang="ja-JP" altLang="en-US" sz="2400" b="1" dirty="0" smtClean="0"/>
+              <a:rPr kumimoji="1" lang="ja-JP" altLang="en-US" sz="2400" b="1" dirty="0"/>
               <a:t>章　序論</a:t>
             </a:r>
-            <a:endParaRPr kumimoji="1" lang="ja-JP" altLang="en-US" sz="2400" b="1" dirty="0"/>
           </a:p>
         </p:txBody>
       </p:sp>
@@ -3912,8 +3905,8 @@
         </p:nvSpPr>
         <p:spPr>
           <a:xfrm>
-            <a:off x="269522" y="1104299"/>
-            <a:ext cx="8568952" cy="1200329"/>
+            <a:off x="288977" y="1443324"/>
+            <a:ext cx="8568952" cy="461665"/>
           </a:xfrm>
           <a:prstGeom prst="rect">
             <a:avLst/>
@@ -3941,44 +3934,16 @@
           <a:p>
             <a:pPr algn="ctr"/>
             <a:r>
-              <a:rPr kumimoji="1" lang="ja-JP" altLang="en-US" sz="2400" b="1" dirty="0" smtClean="0"/>
+              <a:rPr kumimoji="1" lang="ja-JP" altLang="en-US" sz="2400" b="1" dirty="0"/>
               <a:t>第</a:t>
             </a:r>
             <a:r>
-              <a:rPr kumimoji="1" lang="en-US" altLang="ja-JP" sz="2400" b="1" dirty="0" smtClean="0"/>
+              <a:rPr kumimoji="1" lang="en-US" altLang="ja-JP" sz="2400" b="1" dirty="0"/>
               <a:t>2</a:t>
             </a:r>
             <a:r>
-              <a:rPr kumimoji="1" lang="ja-JP" altLang="en-US" sz="2400" b="1" dirty="0" smtClean="0"/>
-              <a:t>章　</a:t>
-            </a:r>
-            <a:r>
-              <a:rPr lang="ja-JP" altLang="en-US" sz="2400" b="1" dirty="0"/>
-              <a:t>本研究</a:t>
-            </a:r>
-            <a:r>
-              <a:rPr lang="ja-JP" altLang="en-US" sz="2400" b="1" dirty="0" smtClean="0"/>
-              <a:t>のアプローチ</a:t>
-            </a:r>
-            <a:endParaRPr lang="en-US" altLang="ja-JP" sz="2400" b="1" dirty="0" smtClean="0"/>
-          </a:p>
-          <a:p>
-            <a:pPr algn="ctr"/>
-            <a:r>
-              <a:rPr kumimoji="1" lang="ja-JP" altLang="en-US" sz="2400" dirty="0" smtClean="0"/>
-              <a:t>要求仕様の整理</a:t>
-            </a:r>
-            <a:endParaRPr kumimoji="1" lang="en-US" altLang="ja-JP" sz="2400" dirty="0" smtClean="0"/>
-          </a:p>
-          <a:p>
-            <a:pPr algn="ctr"/>
-            <a:r>
-              <a:rPr lang="ja-JP" altLang="en-US" sz="2400" dirty="0"/>
-              <a:t>強化学習</a:t>
-            </a:r>
-            <a:r>
-              <a:rPr lang="ja-JP" altLang="en-US" sz="2400" dirty="0" smtClean="0"/>
-              <a:t>の基礎</a:t>
+              <a:rPr kumimoji="1" lang="ja-JP" altLang="en-US" sz="2400" b="1" dirty="0"/>
+              <a:t>章　関連研究</a:t>
             </a:r>
             <a:endParaRPr kumimoji="1" lang="ja-JP" altLang="en-US" sz="2400" dirty="0"/>
           </a:p>
@@ -3992,7 +3957,7 @@
         </p:nvSpPr>
         <p:spPr>
           <a:xfrm>
-            <a:off x="269522" y="2878813"/>
+            <a:off x="288977" y="2498174"/>
             <a:ext cx="8568952" cy="1569660"/>
           </a:xfrm>
           <a:prstGeom prst="rect">
@@ -4021,48 +3986,43 @@
           <a:p>
             <a:pPr algn="ctr"/>
             <a:r>
-              <a:rPr kumimoji="1" lang="ja-JP" altLang="en-US" sz="2400" b="1" dirty="0" smtClean="0"/>
+              <a:rPr kumimoji="1" lang="ja-JP" altLang="en-US" sz="2400" b="1" dirty="0"/>
               <a:t>第</a:t>
             </a:r>
             <a:r>
-              <a:rPr kumimoji="1" lang="en-US" altLang="ja-JP" sz="2400" b="1" dirty="0" smtClean="0"/>
+              <a:rPr kumimoji="1" lang="en-US" altLang="ja-JP" sz="2400" b="1" dirty="0"/>
               <a:t>3</a:t>
             </a:r>
             <a:r>
-              <a:rPr kumimoji="1" lang="ja-JP" altLang="en-US" sz="2400" b="1" dirty="0" smtClean="0"/>
-              <a:t>章　強化学習の構成</a:t>
-            </a:r>
-            <a:endParaRPr kumimoji="1" lang="en-US" altLang="ja-JP" sz="2400" b="1" dirty="0" smtClean="0"/>
+              <a:rPr kumimoji="1" lang="ja-JP" altLang="en-US" sz="2400" b="1" dirty="0"/>
+              <a:t>章　知識選択型転移強化学習を用いた動的障害物回避</a:t>
+            </a:r>
+            <a:endParaRPr kumimoji="1" lang="en-US" altLang="ja-JP" sz="2400" b="1" dirty="0"/>
           </a:p>
           <a:p>
             <a:pPr algn="ctr"/>
             <a:r>
-              <a:rPr kumimoji="1" lang="ja-JP" altLang="en-US" sz="2400" dirty="0" smtClean="0"/>
-              <a:t>使用するシミュレータ</a:t>
-            </a:r>
-            <a:endParaRPr kumimoji="1" lang="en-US" altLang="ja-JP" sz="2400" dirty="0" smtClean="0"/>
+              <a:rPr kumimoji="1" lang="ja-JP" altLang="en-US" sz="2400" dirty="0"/>
+              <a:t>強化学習による静的障害物回避</a:t>
+            </a:r>
+            <a:endParaRPr kumimoji="1" lang="en-US" altLang="ja-JP" sz="2400" dirty="0"/>
           </a:p>
           <a:p>
             <a:pPr algn="ctr"/>
             <a:r>
-              <a:rPr kumimoji="1" lang="en-US" altLang="ja-JP" sz="2400" dirty="0" smtClean="0"/>
-              <a:t>Q</a:t>
-            </a:r>
-            <a:r>
-              <a:rPr kumimoji="1" lang="ja-JP" altLang="en-US" sz="2400" dirty="0" smtClean="0"/>
-              <a:t>学習の構成</a:t>
-            </a:r>
-            <a:endParaRPr kumimoji="1" lang="en-US" altLang="ja-JP" sz="2400" dirty="0" smtClean="0"/>
-          </a:p>
-          <a:p>
-            <a:pPr algn="ctr"/>
-            <a:r>
-              <a:rPr lang="ja-JP" altLang="en-US" sz="2400" dirty="0" smtClean="0"/>
-              <a:t>報酬</a:t>
-            </a:r>
-            <a:r>
-              <a:rPr lang="ja-JP" altLang="en-US" sz="2400" dirty="0" smtClean="0"/>
-              <a:t>関数</a:t>
+              <a:rPr lang="en-US" altLang="ja-JP" sz="2400" dirty="0"/>
+              <a:t>SAP-Net</a:t>
+            </a:r>
+            <a:r>
+              <a:rPr lang="ja-JP" altLang="en-US" sz="2400" dirty="0"/>
+              <a:t>による動的障害物回避</a:t>
+            </a:r>
+            <a:br>
+              <a:rPr lang="en-US" altLang="ja-JP" sz="2400" dirty="0"/>
+            </a:br>
+            <a:r>
+              <a:rPr lang="ja-JP" altLang="en-US" sz="2400" dirty="0"/>
+              <a:t>最適化シミュレーション</a:t>
             </a:r>
             <a:endParaRPr kumimoji="1" lang="ja-JP" altLang="en-US" sz="2400" dirty="0"/>
           </a:p>
@@ -4076,7 +4036,7 @@
         </p:nvSpPr>
         <p:spPr>
           <a:xfrm>
-            <a:off x="269522" y="5011501"/>
+            <a:off x="288977" y="4657144"/>
             <a:ext cx="8568952" cy="1569660"/>
           </a:xfrm>
           <a:prstGeom prst="rect">
@@ -4105,42 +4065,40 @@
           <a:p>
             <a:pPr algn="ctr"/>
             <a:r>
-              <a:rPr kumimoji="1" lang="ja-JP" altLang="en-US" sz="2400" b="1" dirty="0" smtClean="0"/>
+              <a:rPr kumimoji="1" lang="ja-JP" altLang="en-US" sz="2400" b="1" dirty="0"/>
               <a:t>第</a:t>
             </a:r>
             <a:r>
-              <a:rPr kumimoji="1" lang="en-US" altLang="ja-JP" sz="2400" b="1" dirty="0" smtClean="0"/>
+              <a:rPr kumimoji="1" lang="en-US" altLang="ja-JP" sz="2400" b="1" dirty="0"/>
               <a:t>4</a:t>
             </a:r>
             <a:r>
-              <a:rPr kumimoji="1" lang="ja-JP" altLang="en-US" sz="2400" b="1" dirty="0" smtClean="0"/>
+              <a:rPr kumimoji="1" lang="ja-JP" altLang="en-US" sz="2400" b="1" dirty="0"/>
               <a:t>章　シミュレータ実験</a:t>
             </a:r>
-            <a:endParaRPr kumimoji="1" lang="en-US" altLang="ja-JP" sz="2400" b="1" dirty="0" smtClean="0"/>
+            <a:endParaRPr kumimoji="1" lang="en-US" altLang="ja-JP" sz="2400" b="1" dirty="0"/>
           </a:p>
           <a:p>
             <a:pPr algn="ctr"/>
             <a:r>
-              <a:rPr lang="ja-JP" altLang="en-US" sz="2400" dirty="0" smtClean="0"/>
-              <a:t>単腕クローラロボット</a:t>
-            </a:r>
-            <a:endParaRPr lang="en-US" altLang="ja-JP" sz="2400" dirty="0" smtClean="0"/>
+              <a:rPr lang="ja-JP" altLang="en-US" sz="2400" dirty="0"/>
+              <a:t>予備実験</a:t>
+            </a:r>
+            <a:endParaRPr lang="en-US" altLang="ja-JP" sz="2400" dirty="0"/>
           </a:p>
           <a:p>
             <a:pPr algn="ctr"/>
             <a:r>
-              <a:rPr kumimoji="1" lang="ja-JP" altLang="en-US" sz="2400" dirty="0" smtClean="0"/>
-              <a:t>双腕クローラロボット</a:t>
-            </a:r>
-            <a:endParaRPr kumimoji="1" lang="en-US" altLang="ja-JP" sz="2400" dirty="0" smtClean="0"/>
-          </a:p>
-          <a:p>
-            <a:pPr algn="ctr"/>
-            <a:r>
-              <a:rPr lang="ja-JP" altLang="en-US" sz="2400" dirty="0" smtClean="0"/>
-              <a:t>各実験の結果</a:t>
-            </a:r>
-            <a:endParaRPr kumimoji="1" lang="ja-JP" altLang="en-US" sz="2400" dirty="0"/>
+              <a:rPr kumimoji="1" lang="ja-JP" altLang="en-US" sz="2400" dirty="0"/>
+              <a:t>シミュレーション実験</a:t>
+            </a:r>
+            <a:br>
+              <a:rPr kumimoji="1" lang="en-US" altLang="ja-JP" sz="2400" dirty="0"/>
+            </a:br>
+            <a:r>
+              <a:rPr kumimoji="1" lang="ja-JP" altLang="en-US" sz="2400" dirty="0"/>
+              <a:t>最適化実験</a:t>
+            </a:r>
           </a:p>
         </p:txBody>
       </p:sp>
@@ -4152,7 +4110,7 @@
         </p:nvSpPr>
         <p:spPr>
           <a:xfrm>
-            <a:off x="269522" y="7171555"/>
+            <a:off x="288977" y="6816114"/>
             <a:ext cx="8568952" cy="461665"/>
           </a:xfrm>
           <a:prstGeom prst="rect">
@@ -4181,18 +4139,17 @@
           <a:p>
             <a:pPr algn="ctr"/>
             <a:r>
-              <a:rPr kumimoji="1" lang="ja-JP" altLang="en-US" sz="2400" b="1" dirty="0" smtClean="0"/>
+              <a:rPr kumimoji="1" lang="ja-JP" altLang="en-US" sz="2400" b="1" dirty="0"/>
               <a:t>第</a:t>
             </a:r>
             <a:r>
-              <a:rPr kumimoji="1" lang="en-US" altLang="ja-JP" sz="2400" b="1" dirty="0" smtClean="0"/>
+              <a:rPr kumimoji="1" lang="en-US" altLang="ja-JP" sz="2400" b="1" dirty="0"/>
               <a:t>5</a:t>
             </a:r>
             <a:r>
-              <a:rPr kumimoji="1" lang="ja-JP" altLang="en-US" sz="2400" b="1" dirty="0" smtClean="0"/>
+              <a:rPr kumimoji="1" lang="ja-JP" altLang="en-US" sz="2400" b="1" dirty="0"/>
               <a:t>章　結論</a:t>
             </a:r>
-            <a:endParaRPr kumimoji="1" lang="ja-JP" altLang="en-US" sz="2400" b="1" dirty="0"/>
           </a:p>
         </p:txBody>
       </p:sp>
@@ -4204,7 +4161,7 @@
         </p:nvSpPr>
         <p:spPr>
           <a:xfrm>
-            <a:off x="4337974" y="2330355"/>
+            <a:off x="4357429" y="1951491"/>
             <a:ext cx="432048" cy="504056"/>
           </a:xfrm>
           <a:prstGeom prst="downArrow">
@@ -4247,7 +4204,7 @@
         </p:nvSpPr>
         <p:spPr>
           <a:xfrm>
-            <a:off x="4337974" y="4464868"/>
+            <a:off x="4357429" y="4110461"/>
             <a:ext cx="432048" cy="504056"/>
           </a:xfrm>
           <a:prstGeom prst="downArrow">
@@ -4290,7 +4247,7 @@
         </p:nvSpPr>
         <p:spPr>
           <a:xfrm>
-            <a:off x="4337974" y="6581161"/>
+            <a:off x="4357429" y="6269431"/>
             <a:ext cx="432048" cy="504056"/>
           </a:xfrm>
           <a:prstGeom prst="downArrow">
@@ -4333,7 +4290,7 @@
         </p:nvSpPr>
         <p:spPr>
           <a:xfrm>
-            <a:off x="4337974" y="529820"/>
+            <a:off x="4357429" y="917616"/>
             <a:ext cx="432048" cy="504056"/>
           </a:xfrm>
           <a:prstGeom prst="downArrow">
